--- a/Game design document.pptx
+++ b/Game design document.pptx
@@ -112,6 +112,11 @@
       </a:defRPr>
     </a:lvl9pPr>
   </p:defaultTextStyle>
+  <p:extLst>
+    <p:ext uri="{EFAFB233-063F-42B5-8137-9DF3F51BA10A}">
+      <p15:sldGuideLst xmlns:p15="http://schemas.microsoft.com/office/powerpoint/2012/main"/>
+    </p:ext>
+  </p:extLst>
 </p:presentation>
 </file>
 
@@ -297,7 +302,7 @@
           <a:p>
             <a:fld id="{48A87A34-81AB-432B-8DAE-1953F412C126}" type="datetimeFigureOut">
               <a:rPr lang="en-US" dirty="0"/>
-              <a:t>5/4/2019</a:t>
+              <a:t>5/4/19</a:t>
             </a:fld>
             <a:endParaRPr lang="en-US" dirty="0"/>
           </a:p>
@@ -559,7 +564,7 @@
           <a:p>
             <a:fld id="{48A87A34-81AB-432B-8DAE-1953F412C126}" type="datetimeFigureOut">
               <a:rPr lang="en-US" dirty="0"/>
-              <a:t>5/4/2019</a:t>
+              <a:t>5/4/19</a:t>
             </a:fld>
             <a:endParaRPr lang="en-US" dirty="0"/>
           </a:p>
@@ -786,7 +791,7 @@
             <a:fld id="{48A87A34-81AB-432B-8DAE-1953F412C126}" type="datetimeFigureOut">
               <a:rPr lang="en-US" dirty="0"/>
               <a:pPr/>
-              <a:t>5/4/2019</a:t>
+              <a:t>5/4/19</a:t>
             </a:fld>
             <a:endParaRPr lang="en-US" dirty="0"/>
           </a:p>
@@ -1092,7 +1097,7 @@
             <a:fld id="{48A87A34-81AB-432B-8DAE-1953F412C126}" type="datetimeFigureOut">
               <a:rPr lang="en-US" dirty="0"/>
               <a:pPr/>
-              <a:t>5/4/2019</a:t>
+              <a:t>5/4/19</a:t>
             </a:fld>
             <a:endParaRPr lang="en-US" dirty="0"/>
           </a:p>
@@ -1561,7 +1566,7 @@
             <a:fld id="{48A87A34-81AB-432B-8DAE-1953F412C126}" type="datetimeFigureOut">
               <a:rPr lang="en-US" dirty="0"/>
               <a:pPr/>
-              <a:t>5/4/2019</a:t>
+              <a:t>5/4/19</a:t>
             </a:fld>
             <a:endParaRPr lang="en-US" dirty="0"/>
           </a:p>
@@ -2103,7 +2108,7 @@
           <a:p>
             <a:fld id="{48A87A34-81AB-432B-8DAE-1953F412C126}" type="datetimeFigureOut">
               <a:rPr lang="en-US" dirty="0"/>
-              <a:t>5/4/2019</a:t>
+              <a:t>5/4/19</a:t>
             </a:fld>
             <a:endParaRPr lang="en-US" dirty="0"/>
           </a:p>
@@ -2872,7 +2877,7 @@
           <a:p>
             <a:fld id="{48A87A34-81AB-432B-8DAE-1953F412C126}" type="datetimeFigureOut">
               <a:rPr lang="en-US" dirty="0"/>
-              <a:t>5/4/2019</a:t>
+              <a:t>5/4/19</a:t>
             </a:fld>
             <a:endParaRPr lang="en-US" dirty="0"/>
           </a:p>
@@ -3042,7 +3047,7 @@
           <a:p>
             <a:fld id="{48A87A34-81AB-432B-8DAE-1953F412C126}" type="datetimeFigureOut">
               <a:rPr lang="en-US" dirty="0"/>
-              <a:t>5/4/2019</a:t>
+              <a:t>5/4/19</a:t>
             </a:fld>
             <a:endParaRPr lang="en-US" dirty="0"/>
           </a:p>
@@ -3261,7 +3266,7 @@
             <a:fld id="{48A87A34-81AB-432B-8DAE-1953F412C126}" type="datetimeFigureOut">
               <a:rPr lang="en-US" dirty="0"/>
               <a:pPr/>
-              <a:t>5/4/2019</a:t>
+              <a:t>5/4/19</a:t>
             </a:fld>
             <a:endParaRPr lang="en-US" dirty="0"/>
           </a:p>
@@ -3436,7 +3441,7 @@
           <a:p>
             <a:fld id="{48A87A34-81AB-432B-8DAE-1953F412C126}" type="datetimeFigureOut">
               <a:rPr lang="en-US" dirty="0"/>
-              <a:t>5/4/2019</a:t>
+              <a:t>5/4/19</a:t>
             </a:fld>
             <a:endParaRPr lang="en-US" dirty="0"/>
           </a:p>
@@ -3721,7 +3726,7 @@
             <a:fld id="{48A87A34-81AB-432B-8DAE-1953F412C126}" type="datetimeFigureOut">
               <a:rPr lang="en-US" dirty="0"/>
               <a:pPr/>
-              <a:t>5/4/2019</a:t>
+              <a:t>5/4/19</a:t>
             </a:fld>
             <a:endParaRPr lang="en-US" dirty="0"/>
           </a:p>
@@ -3958,7 +3963,7 @@
           <a:p>
             <a:fld id="{48A87A34-81AB-432B-8DAE-1953F412C126}" type="datetimeFigureOut">
               <a:rPr lang="en-US" dirty="0"/>
-              <a:t>5/4/2019</a:t>
+              <a:t>5/4/19</a:t>
             </a:fld>
             <a:endParaRPr lang="en-US" dirty="0"/>
           </a:p>
@@ -4332,7 +4337,7 @@
           <a:p>
             <a:fld id="{48A87A34-81AB-432B-8DAE-1953F412C126}" type="datetimeFigureOut">
               <a:rPr lang="en-US" dirty="0"/>
-              <a:t>5/4/2019</a:t>
+              <a:t>5/4/19</a:t>
             </a:fld>
             <a:endParaRPr lang="en-US" dirty="0"/>
           </a:p>
@@ -4445,7 +4450,7 @@
           <a:p>
             <a:fld id="{48A87A34-81AB-432B-8DAE-1953F412C126}" type="datetimeFigureOut">
               <a:rPr lang="en-US" dirty="0"/>
-              <a:t>5/4/2019</a:t>
+              <a:t>5/4/19</a:t>
             </a:fld>
             <a:endParaRPr lang="en-US" dirty="0"/>
           </a:p>
@@ -4535,7 +4540,7 @@
           <a:p>
             <a:fld id="{48A87A34-81AB-432B-8DAE-1953F412C126}" type="datetimeFigureOut">
               <a:rPr lang="en-US" dirty="0"/>
-              <a:t>5/4/2019</a:t>
+              <a:t>5/4/19</a:t>
             </a:fld>
             <a:endParaRPr lang="en-US" dirty="0"/>
           </a:p>
@@ -4779,7 +4784,7 @@
           <a:p>
             <a:fld id="{48A87A34-81AB-432B-8DAE-1953F412C126}" type="datetimeFigureOut">
               <a:rPr lang="en-US" dirty="0"/>
-              <a:t>5/4/2019</a:t>
+              <a:t>5/4/19</a:t>
             </a:fld>
             <a:endParaRPr lang="en-US" dirty="0"/>
           </a:p>
@@ -5031,7 +5036,7 @@
           <a:p>
             <a:fld id="{48A87A34-81AB-432B-8DAE-1953F412C126}" type="datetimeFigureOut">
               <a:rPr lang="en-US" dirty="0"/>
-              <a:t>5/4/2019</a:t>
+              <a:t>5/4/19</a:t>
             </a:fld>
             <a:endParaRPr lang="en-US" dirty="0"/>
           </a:p>
@@ -5270,7 +5275,7 @@
             <a:fld id="{48A87A34-81AB-432B-8DAE-1953F412C126}" type="datetimeFigureOut">
               <a:rPr lang="en-US" dirty="0"/>
               <a:pPr/>
-              <a:t>5/4/2019</a:t>
+              <a:t>5/4/19</a:t>
             </a:fld>
             <a:endParaRPr lang="en-US" dirty="0"/>
           </a:p>
@@ -5832,7 +5837,7 @@
         <p:spPr/>
         <p:txBody>
           <a:bodyPr>
-            <a:normAutofit fontScale="92500" lnSpcReduction="10000"/>
+            <a:normAutofit fontScale="92500" lnSpcReduction="20000"/>
           </a:bodyPr>
           <a:lstStyle/>
           <a:p>
@@ -5841,34 +5846,34 @@
           <a:p>
             <a:r>
               <a:rPr lang="en-US" dirty="0"/>
-              <a:t>Our game is about Decision-Making stance of life. We are trying to show how the decisions that you make in your life makes life easy or difficult for you.</a:t>
-            </a:r>
-          </a:p>
-          <a:p>
-            <a:endParaRPr lang="en-US" dirty="0"/>
-          </a:p>
-          <a:p>
-            <a:r>
-              <a:rPr lang="en-US" dirty="0"/>
-              <a:t>The game shows various real-life scenarios of life where your decisions can affect your life to a varied level.</a:t>
-            </a:r>
-          </a:p>
-          <a:p>
-            <a:endParaRPr lang="en-US" dirty="0"/>
-          </a:p>
-          <a:p>
-            <a:r>
-              <a:rPr lang="en-US" dirty="0"/>
-              <a:t>A Person can live his/her life in various ways so we are trying to show him/her what would have had happened if he/she would have chosen another path at that instant in life.</a:t>
-            </a:r>
-          </a:p>
-          <a:p>
-            <a:endParaRPr lang="en-US" dirty="0"/>
-          </a:p>
-          <a:p>
-            <a:r>
-              <a:rPr lang="en-US" dirty="0"/>
-              <a:t>The game is multi-leveled, with multiple stories and multiple endings.</a:t>
+              <a:t>Our game focuses on decision-making stance of life. We are trying to show how the decisions that people make in their life makes life easy or difficult for them.</a:t>
+            </a:r>
+          </a:p>
+          <a:p>
+            <a:endParaRPr lang="en-US" dirty="0"/>
+          </a:p>
+          <a:p>
+            <a:r>
+              <a:rPr lang="en-US" dirty="0"/>
+              <a:t>The game shows various real-life scenarios of life where one’s decisions can affect one’s life to a varied level.</a:t>
+            </a:r>
+          </a:p>
+          <a:p>
+            <a:endParaRPr lang="en-US" dirty="0"/>
+          </a:p>
+          <a:p>
+            <a:r>
+              <a:rPr lang="en-US" dirty="0"/>
+              <a:t>People can live their life in various ways so we are trying to show them what would have had happened if they would have chosen another path at that instant in life.</a:t>
+            </a:r>
+          </a:p>
+          <a:p>
+            <a:endParaRPr lang="en-US" dirty="0"/>
+          </a:p>
+          <a:p>
+            <a:r>
+              <a:rPr lang="en-US" dirty="0"/>
+              <a:t>The game is multi-leveled, with multiple stories and multiple endings. Thus one can try out all possible combinations, making game playable even after completing the main story!</a:t>
             </a:r>
           </a:p>
         </p:txBody>
@@ -5949,7 +5954,9 @@
         </p:nvSpPr>
         <p:spPr/>
         <p:txBody>
-          <a:bodyPr/>
+          <a:bodyPr>
+            <a:normAutofit lnSpcReduction="10000"/>
+          </a:bodyPr>
           <a:lstStyle/>
           <a:p>
             <a:endParaRPr lang="en-US" dirty="0"/>
@@ -5975,7 +5982,7 @@
           <a:p>
             <a:r>
               <a:rPr lang="en-US" dirty="0"/>
-              <a:t>The game has different scenarios where you have to make decisions. These decisions will affect various emotional parameters of life like stress, happiness, etc. and will change your score.</a:t>
+              <a:t>The game has different scenarios where you have to make decisions. These decisions will affect various emotional parameters of life like stress, happiness, etc. and will change your score, and also affect the difficulty of upcoming levels.</a:t>
             </a:r>
           </a:p>
         </p:txBody>
@@ -6071,18 +6078,30 @@
           </a:bodyPr>
           <a:lstStyle/>
           <a:p>
+            <a:pPr marL="342900" indent="-342900">
+              <a:buFont typeface="Arial" panose="020B0604020202020204" pitchFamily="34" charset="0"/>
+              <a:buChar char="•"/>
+            </a:pPr>
             <a:r>
               <a:rPr lang="en-US" dirty="0"/>
               <a:t>HTML5</a:t>
             </a:r>
           </a:p>
           <a:p>
+            <a:pPr marL="342900" indent="-342900">
+              <a:buFont typeface="Arial" panose="020B0604020202020204" pitchFamily="34" charset="0"/>
+              <a:buChar char="•"/>
+            </a:pPr>
             <a:r>
               <a:rPr lang="en-US" dirty="0"/>
               <a:t>CSS</a:t>
             </a:r>
           </a:p>
           <a:p>
+            <a:pPr marL="342900" indent="-342900">
+              <a:buFont typeface="Arial" panose="020B0604020202020204" pitchFamily="34" charset="0"/>
+              <a:buChar char="•"/>
+            </a:pPr>
             <a:r>
               <a:rPr lang="en-US" dirty="0"/>
               <a:t>JavaScript - We are using </a:t>
@@ -6097,6 +6116,10 @@
             </a:r>
           </a:p>
           <a:p>
+            <a:pPr marL="342900" indent="-342900">
+              <a:buFont typeface="Arial" panose="020B0604020202020204" pitchFamily="34" charset="0"/>
+              <a:buChar char="•"/>
+            </a:pPr>
             <a:r>
               <a:rPr lang="en-US" dirty="0"/>
               <a:t>Adobe Photoshop – For creating Character Sprites and Sprite sheets</a:t>
@@ -6122,15 +6145,23 @@
             </a:r>
           </a:p>
           <a:p>
-            <a:r>
-              <a:rPr lang="en-US" dirty="0"/>
-              <a:t>	PHP</a:t>
-            </a:r>
-          </a:p>
-          <a:p>
-            <a:r>
-              <a:rPr lang="en-US" dirty="0"/>
-              <a:t>	Apache Server</a:t>
+            <a:pPr marL="342900" indent="-342900">
+              <a:buFont typeface="Arial" panose="020B0604020202020204" pitchFamily="34" charset="0"/>
+              <a:buChar char="•"/>
+            </a:pPr>
+            <a:r>
+              <a:rPr lang="en-US" dirty="0"/>
+              <a:t>PHP</a:t>
+            </a:r>
+          </a:p>
+          <a:p>
+            <a:pPr marL="342900" indent="-342900">
+              <a:buFont typeface="Arial" panose="020B0604020202020204" pitchFamily="34" charset="0"/>
+              <a:buChar char="•"/>
+            </a:pPr>
+            <a:r>
+              <a:rPr lang="en-US" dirty="0"/>
+              <a:t>Apache Server</a:t>
             </a:r>
           </a:p>
         </p:txBody>
@@ -6312,13 +6343,13 @@
         </p:nvSpPr>
         <p:spPr>
           <a:xfrm>
-            <a:off x="685800" y="2194560"/>
-            <a:ext cx="10820400" cy="4117463"/>
+            <a:off x="685800" y="1820680"/>
+            <a:ext cx="10820400" cy="4491343"/>
           </a:xfrm>
         </p:spPr>
         <p:txBody>
           <a:bodyPr>
-            <a:normAutofit fontScale="92500"/>
+            <a:normAutofit lnSpcReduction="10000"/>
           </a:bodyPr>
           <a:lstStyle/>
           <a:p>
@@ -6345,7 +6376,7 @@
           <a:p>
             <a:r>
               <a:rPr lang="en-US" dirty="0"/>
-              <a:t>Therefore, we decided not to use any fancy game-building engine with pre-coded assets helping to build dazzling and glamourous UI. Instead, we focused on coding everything on our own with minimal help from a basic JavaScript frame. In fact, Impact.js allows you to compile your Web game into a native iOS app.</a:t>
+              <a:t>Therefore, we decided not to use any fancy game-building engine with pre-coded assets helping to build dazzling and glamourous UI. Instead, we focused on coding everything on our own with minimal help from a basic JavaScript frame. In fact, Impact.js allows you to compile your Web game into a native iOS app. This gives us to test our game on multiple platforms.</a:t>
             </a:r>
           </a:p>
         </p:txBody>
@@ -6719,7 +6750,7 @@
         <p:spPr>
           <a:xfrm>
             <a:off x="798990" y="1805965"/>
-            <a:ext cx="9827581" cy="4801314"/>
+            <a:ext cx="9827581" cy="4524315"/>
           </a:xfrm>
           <a:prstGeom prst="rect">
             <a:avLst/>
@@ -6734,7 +6765,7 @@
           <a:p>
             <a:r>
               <a:rPr lang="en-US" dirty="0"/>
-              <a:t>The most important argument with respect to our game design is the fact that it’s scope is vast. We can, anytime, add many more levels to simulate a behavior more close to reality.</a:t>
+              <a:t>The most important argument with respect to our game design is the fact that its scope is vast. We can, anytime, add many more levels to simulate a behavior closer to reality.</a:t>
             </a:r>
           </a:p>
           <a:p>
